--- a/fuentes/contenidos/grado06/guion06/MA_06_06_CO_MapaConceptual.pptx
+++ b/fuentes/contenidos/grado06/guion06/MA_06_06_CO_MapaConceptual.pptx
@@ -106,7 +106,18 @@
   </p:defaultTextStyle>
   <p:extLst>
     <p:ext uri="{EFAFB233-063F-42B5-8137-9DF3F51BA10A}">
-      <p15:sldGuideLst xmlns:p15="http://schemas.microsoft.com/office/powerpoint/2012/main" xmlns=""/>
+      <p15:sldGuideLst xmlns:p15="http://schemas.microsoft.com/office/powerpoint/2012/main">
+        <p15:guide id="1" orient="horz" pos="2834">
+          <p15:clr>
+            <a:srgbClr val="A4A3A4"/>
+          </p15:clr>
+        </p15:guide>
+        <p15:guide id="2" pos="4535">
+          <p15:clr>
+            <a:srgbClr val="A4A3A4"/>
+          </p15:clr>
+        </p15:guide>
+      </p15:sldGuideLst>
     </p:ext>
   </p:extLst>
 </p:presentation>
@@ -243,7 +254,7 @@
           <a:p>
             <a:fld id="{C764DE79-268F-4C1A-8933-263129D2AF90}" type="datetimeFigureOut">
               <a:rPr lang="en-US" dirty="0"/>
-              <a:t>4/12/15</a:t>
+              <a:t>1/28/2016</a:t>
             </a:fld>
             <a:endParaRPr lang="en-US" dirty="0"/>
           </a:p>
@@ -285,7 +296,7 @@
           <a:p>
             <a:fld id="{48F63A3B-78C7-47BE-AE5E-E10140E04643}" type="slidenum">
               <a:rPr lang="en-US" dirty="0"/>
-              <a:t>‹Nr.›</a:t>
+              <a:t>‹Nº›</a:t>
             </a:fld>
             <a:endParaRPr lang="en-US" dirty="0"/>
           </a:p>
@@ -413,7 +424,7 @@
           <a:p>
             <a:fld id="{C764DE79-268F-4C1A-8933-263129D2AF90}" type="datetimeFigureOut">
               <a:rPr lang="en-US" dirty="0"/>
-              <a:t>4/12/15</a:t>
+              <a:t>1/28/2016</a:t>
             </a:fld>
             <a:endParaRPr lang="en-US" dirty="0"/>
           </a:p>
@@ -455,7 +466,7 @@
           <a:p>
             <a:fld id="{48F63A3B-78C7-47BE-AE5E-E10140E04643}" type="slidenum">
               <a:rPr lang="en-US" dirty="0"/>
-              <a:t>‹Nr.›</a:t>
+              <a:t>‹Nº›</a:t>
             </a:fld>
             <a:endParaRPr lang="en-US" dirty="0"/>
           </a:p>
@@ -593,7 +604,7 @@
           <a:p>
             <a:fld id="{C764DE79-268F-4C1A-8933-263129D2AF90}" type="datetimeFigureOut">
               <a:rPr lang="en-US" dirty="0"/>
-              <a:t>4/12/15</a:t>
+              <a:t>1/28/2016</a:t>
             </a:fld>
             <a:endParaRPr lang="en-US" dirty="0"/>
           </a:p>
@@ -635,7 +646,7 @@
           <a:p>
             <a:fld id="{48F63A3B-78C7-47BE-AE5E-E10140E04643}" type="slidenum">
               <a:rPr lang="en-US" dirty="0"/>
-              <a:t>‹Nr.›</a:t>
+              <a:t>‹Nº›</a:t>
             </a:fld>
             <a:endParaRPr lang="en-US" dirty="0"/>
           </a:p>
@@ -681,13 +692,6 @@
   <p:clrMapOvr>
     <a:masterClrMapping/>
   </p:clrMapOvr>
-  <p:timing>
-    <p:tnLst>
-      <p:par>
-        <p:cTn xmlns:p14="http://schemas.microsoft.com/office/powerpoint/2010/main" id="1" dur="indefinite" restart="never" nodeType="tmRoot"/>
-      </p:par>
-    </p:tnLst>
-  </p:timing>
 </p:sldLayout>
 </file>
 
@@ -718,13 +722,6 @@
   <p:clrMapOvr>
     <a:masterClrMapping/>
   </p:clrMapOvr>
-  <p:timing>
-    <p:tnLst>
-      <p:par>
-        <p:cTn xmlns:p14="http://schemas.microsoft.com/office/powerpoint/2010/main" id="1" dur="indefinite" restart="never" nodeType="tmRoot"/>
-      </p:par>
-    </p:tnLst>
-  </p:timing>
 </p:sldLayout>
 </file>
 
@@ -755,13 +752,6 @@
   <p:clrMapOvr>
     <a:masterClrMapping/>
   </p:clrMapOvr>
-  <p:timing>
-    <p:tnLst>
-      <p:par>
-        <p:cTn xmlns:p14="http://schemas.microsoft.com/office/powerpoint/2010/main" id="1" dur="indefinite" restart="never" nodeType="tmRoot"/>
-      </p:par>
-    </p:tnLst>
-  </p:timing>
 </p:sldLayout>
 </file>
 
@@ -792,13 +782,6 @@
   <p:clrMapOvr>
     <a:masterClrMapping/>
   </p:clrMapOvr>
-  <p:timing>
-    <p:tnLst>
-      <p:par>
-        <p:cTn xmlns:p14="http://schemas.microsoft.com/office/powerpoint/2010/main" id="1" dur="indefinite" restart="never" nodeType="tmRoot"/>
-      </p:par>
-    </p:tnLst>
-  </p:timing>
 </p:sldLayout>
 </file>
 
@@ -829,13 +812,6 @@
   <p:clrMapOvr>
     <a:masterClrMapping/>
   </p:clrMapOvr>
-  <p:timing>
-    <p:tnLst>
-      <p:par>
-        <p:cTn xmlns:p14="http://schemas.microsoft.com/office/powerpoint/2010/main" id="1" dur="indefinite" restart="never" nodeType="tmRoot"/>
-      </p:par>
-    </p:tnLst>
-  </p:timing>
 </p:sldLayout>
 </file>
 
@@ -866,13 +842,6 @@
   <p:clrMapOvr>
     <a:masterClrMapping/>
   </p:clrMapOvr>
-  <p:timing>
-    <p:tnLst>
-      <p:par>
-        <p:cTn xmlns:p14="http://schemas.microsoft.com/office/powerpoint/2010/main" id="1" dur="indefinite" restart="never" nodeType="tmRoot"/>
-      </p:par>
-    </p:tnLst>
-  </p:timing>
 </p:sldLayout>
 </file>
 
@@ -903,13 +872,6 @@
   <p:clrMapOvr>
     <a:masterClrMapping/>
   </p:clrMapOvr>
-  <p:timing>
-    <p:tnLst>
-      <p:par>
-        <p:cTn xmlns:p14="http://schemas.microsoft.com/office/powerpoint/2010/main" id="1" dur="indefinite" restart="never" nodeType="tmRoot"/>
-      </p:par>
-    </p:tnLst>
-  </p:timing>
 </p:sldLayout>
 </file>
 
@@ -940,13 +902,6 @@
   <p:clrMapOvr>
     <a:masterClrMapping/>
   </p:clrMapOvr>
-  <p:timing>
-    <p:tnLst>
-      <p:par>
-        <p:cTn xmlns:p14="http://schemas.microsoft.com/office/powerpoint/2010/main" id="1" dur="indefinite" restart="never" nodeType="tmRoot"/>
-      </p:par>
-    </p:tnLst>
-  </p:timing>
 </p:sldLayout>
 </file>
 
@@ -1059,7 +1014,7 @@
           <a:p>
             <a:fld id="{C764DE79-268F-4C1A-8933-263129D2AF90}" type="datetimeFigureOut">
               <a:rPr lang="en-US" dirty="0"/>
-              <a:t>4/12/15</a:t>
+              <a:t>1/28/2016</a:t>
             </a:fld>
             <a:endParaRPr lang="en-US" dirty="0"/>
           </a:p>
@@ -1101,7 +1056,7 @@
           <a:p>
             <a:fld id="{48F63A3B-78C7-47BE-AE5E-E10140E04643}" type="slidenum">
               <a:rPr lang="en-US" dirty="0"/>
-              <a:t>‹Nr.›</a:t>
+              <a:t>‹Nº›</a:t>
             </a:fld>
             <a:endParaRPr lang="en-US" dirty="0"/>
           </a:p>
@@ -1147,13 +1102,6 @@
   <p:clrMapOvr>
     <a:masterClrMapping/>
   </p:clrMapOvr>
-  <p:timing>
-    <p:tnLst>
-      <p:par>
-        <p:cTn xmlns:p14="http://schemas.microsoft.com/office/powerpoint/2010/main" id="1" dur="indefinite" restart="never" nodeType="tmRoot"/>
-      </p:par>
-    </p:tnLst>
-  </p:timing>
 </p:sldLayout>
 </file>
 
@@ -1184,13 +1132,6 @@
   <p:clrMapOvr>
     <a:masterClrMapping/>
   </p:clrMapOvr>
-  <p:timing>
-    <p:tnLst>
-      <p:par>
-        <p:cTn xmlns:p14="http://schemas.microsoft.com/office/powerpoint/2010/main" id="1" dur="indefinite" restart="never" nodeType="tmRoot"/>
-      </p:par>
-    </p:tnLst>
-  </p:timing>
 </p:sldLayout>
 </file>
 
@@ -1379,7 +1320,7 @@
           <a:p>
             <a:fld id="{C764DE79-268F-4C1A-8933-263129D2AF90}" type="datetimeFigureOut">
               <a:rPr lang="en-US" dirty="0"/>
-              <a:t>4/12/15</a:t>
+              <a:t>1/28/2016</a:t>
             </a:fld>
             <a:endParaRPr lang="en-US" dirty="0"/>
           </a:p>
@@ -1421,7 +1362,7 @@
           <a:p>
             <a:fld id="{48F63A3B-78C7-47BE-AE5E-E10140E04643}" type="slidenum">
               <a:rPr lang="en-US" dirty="0"/>
-              <a:t>‹Nr.›</a:t>
+              <a:t>‹Nº›</a:t>
             </a:fld>
             <a:endParaRPr lang="en-US" dirty="0"/>
           </a:p>
@@ -1611,7 +1552,7 @@
           <a:p>
             <a:fld id="{C764DE79-268F-4C1A-8933-263129D2AF90}" type="datetimeFigureOut">
               <a:rPr lang="en-US" dirty="0"/>
-              <a:t>4/12/15</a:t>
+              <a:t>1/28/2016</a:t>
             </a:fld>
             <a:endParaRPr lang="en-US" dirty="0"/>
           </a:p>
@@ -1653,7 +1594,7 @@
           <a:p>
             <a:fld id="{48F63A3B-78C7-47BE-AE5E-E10140E04643}" type="slidenum">
               <a:rPr lang="en-US" dirty="0"/>
-              <a:t>‹Nr.›</a:t>
+              <a:t>‹Nº›</a:t>
             </a:fld>
             <a:endParaRPr lang="en-US" dirty="0"/>
           </a:p>
@@ -1978,7 +1919,7 @@
           <a:p>
             <a:fld id="{C764DE79-268F-4C1A-8933-263129D2AF90}" type="datetimeFigureOut">
               <a:rPr lang="en-US" dirty="0"/>
-              <a:t>4/12/15</a:t>
+              <a:t>1/28/2016</a:t>
             </a:fld>
             <a:endParaRPr lang="en-US" dirty="0"/>
           </a:p>
@@ -2020,7 +1961,7 @@
           <a:p>
             <a:fld id="{48F63A3B-78C7-47BE-AE5E-E10140E04643}" type="slidenum">
               <a:rPr lang="en-US" dirty="0"/>
-              <a:t>‹Nr.›</a:t>
+              <a:t>‹Nº›</a:t>
             </a:fld>
             <a:endParaRPr lang="en-US" dirty="0"/>
           </a:p>
@@ -2096,7 +2037,7 @@
           <a:p>
             <a:fld id="{C764DE79-268F-4C1A-8933-263129D2AF90}" type="datetimeFigureOut">
               <a:rPr lang="en-US" dirty="0"/>
-              <a:t>4/12/15</a:t>
+              <a:t>1/28/2016</a:t>
             </a:fld>
             <a:endParaRPr lang="en-US" dirty="0"/>
           </a:p>
@@ -2138,7 +2079,7 @@
           <a:p>
             <a:fld id="{48F63A3B-78C7-47BE-AE5E-E10140E04643}" type="slidenum">
               <a:rPr lang="en-US" dirty="0"/>
-              <a:t>‹Nr.›</a:t>
+              <a:t>‹Nº›</a:t>
             </a:fld>
             <a:endParaRPr lang="en-US" dirty="0"/>
           </a:p>
@@ -2191,7 +2132,7 @@
           <a:p>
             <a:fld id="{5001C876-01F7-4317-94B9-1AE222133113}" type="datetimeFigureOut">
               <a:rPr lang="es-ES" smtClean="0"/>
-              <a:t>4/12/15</a:t>
+              <a:t>28/01/2016</a:t>
             </a:fld>
             <a:endParaRPr lang="es-ES"/>
           </a:p>
@@ -2233,7 +2174,7 @@
           <a:p>
             <a:fld id="{58140F73-F5A2-4B82-A2FA-BF1850CF1309}" type="slidenum">
               <a:rPr lang="es-ES" smtClean="0"/>
-              <a:t>‹Nr.›</a:t>
+              <a:t>‹Nº›</a:t>
             </a:fld>
             <a:endParaRPr lang="es-ES"/>
           </a:p>
@@ -2468,7 +2409,7 @@
           <a:p>
             <a:fld id="{C764DE79-268F-4C1A-8933-263129D2AF90}" type="datetimeFigureOut">
               <a:rPr lang="en-US" dirty="0"/>
-              <a:t>4/12/15</a:t>
+              <a:t>1/28/2016</a:t>
             </a:fld>
             <a:endParaRPr lang="en-US" dirty="0"/>
           </a:p>
@@ -2510,7 +2451,7 @@
           <a:p>
             <a:fld id="{48F63A3B-78C7-47BE-AE5E-E10140E04643}" type="slidenum">
               <a:rPr lang="en-US" dirty="0"/>
-              <a:t>‹Nr.›</a:t>
+              <a:t>‹Nº›</a:t>
             </a:fld>
             <a:endParaRPr lang="en-US" dirty="0"/>
           </a:p>
@@ -2725,7 +2666,7 @@
           <a:p>
             <a:fld id="{C764DE79-268F-4C1A-8933-263129D2AF90}" type="datetimeFigureOut">
               <a:rPr lang="en-US" dirty="0"/>
-              <a:t>4/12/15</a:t>
+              <a:t>1/28/2016</a:t>
             </a:fld>
             <a:endParaRPr lang="en-US" dirty="0"/>
           </a:p>
@@ -2767,7 +2708,7 @@
           <a:p>
             <a:fld id="{48F63A3B-78C7-47BE-AE5E-E10140E04643}" type="slidenum">
               <a:rPr lang="en-US" dirty="0"/>
-              <a:t>‹Nr.›</a:t>
+              <a:t>‹Nº›</a:t>
             </a:fld>
             <a:endParaRPr lang="en-US" dirty="0"/>
           </a:p>
@@ -2938,7 +2879,7 @@
           <a:p>
             <a:fld id="{C764DE79-268F-4C1A-8933-263129D2AF90}" type="datetimeFigureOut">
               <a:rPr lang="en-US" dirty="0"/>
-              <a:t>4/12/15</a:t>
+              <a:t>1/28/2016</a:t>
             </a:fld>
             <a:endParaRPr lang="en-US" dirty="0"/>
           </a:p>
@@ -3016,7 +2957,7 @@
           <a:p>
             <a:fld id="{48F63A3B-78C7-47BE-AE5E-E10140E04643}" type="slidenum">
               <a:rPr lang="en-US" dirty="0"/>
-              <a:t>‹Nr.›</a:t>
+              <a:t>‹Nº›</a:t>
             </a:fld>
             <a:endParaRPr lang="en-US" dirty="0"/>
           </a:p>
@@ -3055,7 +2996,19 @@
                 <a:latin typeface="Arial" panose="020B0604020202020204" pitchFamily="34" charset="0"/>
                 <a:cs typeface="Arial" panose="020B0604020202020204" pitchFamily="34" charset="0"/>
               </a:rPr>
-              <a:t>© Editorial Planeta Colombiana S.A., 2015.</a:t>
+              <a:t>© Editorial Planeta Colombiana S.A., </a:t>
+            </a:r>
+            <a:r>
+              <a:rPr lang="es-ES" sz="1200" dirty="0" smtClean="0">
+                <a:solidFill>
+                  <a:schemeClr val="bg2">
+                    <a:lumMod val="90000"/>
+                  </a:schemeClr>
+                </a:solidFill>
+                <a:latin typeface="Arial" panose="020B0604020202020204" pitchFamily="34" charset="0"/>
+                <a:cs typeface="Arial" panose="020B0604020202020204" pitchFamily="34" charset="0"/>
+              </a:rPr>
+              <a:t>2016,</a:t>
             </a:r>
             <a:endParaRPr lang="es-ES" sz="1200" dirty="0">
               <a:solidFill>
@@ -3090,9 +3043,9 @@
           </a:stretch>
         </p:blipFill>
         <p:spPr>
-          <a:xfrm rot="16200000">
-            <a:off x="324444" y="234960"/>
-            <a:ext cx="238757" cy="286527"/>
+          <a:xfrm rot="5400000">
+            <a:off x="352377" y="593775"/>
+            <a:ext cx="182889" cy="182889"/>
           </a:xfrm>
           <a:prstGeom prst="rect">
             <a:avLst/>
@@ -3477,7 +3430,14 @@
                 <a:latin typeface="Arial" panose="020B0604020202020204" pitchFamily="34" charset="0"/>
                 <a:cs typeface="Arial" panose="020B0604020202020204" pitchFamily="34" charset="0"/>
               </a:rPr>
-              <a:t>Los operaciones con fracciones</a:t>
+              <a:t>Las </a:t>
+            </a:r>
+            <a:r>
+              <a:rPr lang="es-ES" sz="1600" dirty="0" smtClean="0">
+                <a:latin typeface="Arial" panose="020B0604020202020204" pitchFamily="34" charset="0"/>
+                <a:cs typeface="Arial" panose="020B0604020202020204" pitchFamily="34" charset="0"/>
+              </a:rPr>
+              <a:t>operaciones con fracciones</a:t>
             </a:r>
             <a:endParaRPr lang="es-ES" sz="1600" dirty="0">
               <a:latin typeface="Arial" panose="020B0604020202020204" pitchFamily="34" charset="0"/>
@@ -6141,13 +6101,6 @@
   <p:clrMapOvr>
     <a:masterClrMapping/>
   </p:clrMapOvr>
-  <p:timing>
-    <p:tnLst>
-      <p:par>
-        <p:cTn xmlns:p14="http://schemas.microsoft.com/office/powerpoint/2010/main" id="1" dur="indefinite" restart="never" nodeType="tmRoot"/>
-      </p:par>
-    </p:tnLst>
-  </p:timing>
 </p:sld>
 </file>
 
@@ -6406,7 +6359,7 @@
   <a:extraClrSchemeLst/>
   <a:extLst>
     <a:ext uri="{05A4C25C-085E-4340-85A3-A5531E510DB2}">
-      <thm15:themeFamily xmlns:thm15="http://schemas.microsoft.com/office/thememl/2012/main" xmlns="" name="Office Theme" id="{62F939B6-93AF-4DB8-9C6B-D6C7DFDC589F}" vid="{4A3C46E8-61CC-4603-A589-7422A47A8E4A}"/>
+      <thm15:themeFamily xmlns:thm15="http://schemas.microsoft.com/office/thememl/2012/main" name="Office Theme" id="{62F939B6-93AF-4DB8-9C6B-D6C7DFDC589F}" vid="{4A3C46E8-61CC-4603-A589-7422A47A8E4A}"/>
     </a:ext>
   </a:extLst>
 </a:theme>
